--- a/report SVM handcrafted and PCA/AUTHENTICATION AE5(n-0.5n-n).pptx
+++ b/report SVM handcrafted and PCA/AUTHENTICATION AE5(n-0.5n-n).pptx
@@ -256,7 +256,7 @@
           <a:p>
             <a:fld id="{553A844F-FF5C-934C-B225-48B8FD889570}" type="datetimeFigureOut">
               <a:rPr lang="en-US" smtClean="0"/>
-              <a:t>10/27/2017</a:t>
+              <a:t>11/2/2017</a:t>
             </a:fld>
             <a:endParaRPr lang="en-US"/>
           </a:p>
@@ -426,7 +426,7 @@
           <a:p>
             <a:fld id="{553A844F-FF5C-934C-B225-48B8FD889570}" type="datetimeFigureOut">
               <a:rPr lang="en-US" smtClean="0"/>
-              <a:t>10/27/2017</a:t>
+              <a:t>11/2/2017</a:t>
             </a:fld>
             <a:endParaRPr lang="en-US"/>
           </a:p>
@@ -606,7 +606,7 @@
           <a:p>
             <a:fld id="{553A844F-FF5C-934C-B225-48B8FD889570}" type="datetimeFigureOut">
               <a:rPr lang="en-US" smtClean="0"/>
-              <a:t>10/27/2017</a:t>
+              <a:t>11/2/2017</a:t>
             </a:fld>
             <a:endParaRPr lang="en-US"/>
           </a:p>
@@ -776,7 +776,7 @@
           <a:p>
             <a:fld id="{553A844F-FF5C-934C-B225-48B8FD889570}" type="datetimeFigureOut">
               <a:rPr lang="en-US" smtClean="0"/>
-              <a:t>10/27/2017</a:t>
+              <a:t>11/2/2017</a:t>
             </a:fld>
             <a:endParaRPr lang="en-US"/>
           </a:p>
@@ -1022,7 +1022,7 @@
           <a:p>
             <a:fld id="{553A844F-FF5C-934C-B225-48B8FD889570}" type="datetimeFigureOut">
               <a:rPr lang="en-US" smtClean="0"/>
-              <a:t>10/27/2017</a:t>
+              <a:t>11/2/2017</a:t>
             </a:fld>
             <a:endParaRPr lang="en-US"/>
           </a:p>
@@ -1254,7 +1254,7 @@
           <a:p>
             <a:fld id="{553A844F-FF5C-934C-B225-48B8FD889570}" type="datetimeFigureOut">
               <a:rPr lang="en-US" smtClean="0"/>
-              <a:t>10/27/2017</a:t>
+              <a:t>11/2/2017</a:t>
             </a:fld>
             <a:endParaRPr lang="en-US"/>
           </a:p>
@@ -1621,7 +1621,7 @@
           <a:p>
             <a:fld id="{553A844F-FF5C-934C-B225-48B8FD889570}" type="datetimeFigureOut">
               <a:rPr lang="en-US" smtClean="0"/>
-              <a:t>10/27/2017</a:t>
+              <a:t>11/2/2017</a:t>
             </a:fld>
             <a:endParaRPr lang="en-US"/>
           </a:p>
@@ -1739,7 +1739,7 @@
           <a:p>
             <a:fld id="{553A844F-FF5C-934C-B225-48B8FD889570}" type="datetimeFigureOut">
               <a:rPr lang="en-US" smtClean="0"/>
-              <a:t>10/27/2017</a:t>
+              <a:t>11/2/2017</a:t>
             </a:fld>
             <a:endParaRPr lang="en-US"/>
           </a:p>
@@ -1834,7 +1834,7 @@
           <a:p>
             <a:fld id="{553A844F-FF5C-934C-B225-48B8FD889570}" type="datetimeFigureOut">
               <a:rPr lang="en-US" smtClean="0"/>
-              <a:t>10/27/2017</a:t>
+              <a:t>11/2/2017</a:t>
             </a:fld>
             <a:endParaRPr lang="en-US"/>
           </a:p>
@@ -2111,7 +2111,7 @@
           <a:p>
             <a:fld id="{553A844F-FF5C-934C-B225-48B8FD889570}" type="datetimeFigureOut">
               <a:rPr lang="en-US" smtClean="0"/>
-              <a:t>10/27/2017</a:t>
+              <a:t>11/2/2017</a:t>
             </a:fld>
             <a:endParaRPr lang="en-US"/>
           </a:p>
@@ -2364,7 +2364,7 @@
           <a:p>
             <a:fld id="{553A844F-FF5C-934C-B225-48B8FD889570}" type="datetimeFigureOut">
               <a:rPr lang="en-US" smtClean="0"/>
-              <a:t>10/27/2017</a:t>
+              <a:t>11/2/2017</a:t>
             </a:fld>
             <a:endParaRPr lang="en-US"/>
           </a:p>
@@ -2577,7 +2577,7 @@
           <a:p>
             <a:fld id="{553A844F-FF5C-934C-B225-48B8FD889570}" type="datetimeFigureOut">
               <a:rPr lang="en-US" smtClean="0"/>
-              <a:t>10/27/2017</a:t>
+              <a:t>11/2/2017</a:t>
             </a:fld>
             <a:endParaRPr lang="en-US"/>
           </a:p>
@@ -3084,7 +3084,7 @@
           <p:nvPr>
             <p:extLst>
               <p:ext uri="{D42A27DB-BD31-4B8C-83A1-F6EECF244321}">
-                <p14:modId xmlns:p14="http://schemas.microsoft.com/office/powerpoint/2010/main" val="1839700071"/>
+                <p14:modId xmlns:p14="http://schemas.microsoft.com/office/powerpoint/2010/main" val="1394468045"/>
               </p:ext>
             </p:extLst>
           </p:nvPr>
@@ -3100,12 +3100,48 @@
                 <a:tableStyleId>{5C22544A-7EE6-4342-B048-85BDC9FD1C3A}</a:tableStyleId>
               </a:tblPr>
               <a:tblGrid>
-                <a:gridCol w="2631776"/>
-                <a:gridCol w="1680247"/>
-                <a:gridCol w="1685365"/>
-                <a:gridCol w="1748118"/>
-                <a:gridCol w="1550894"/>
-                <a:gridCol w="1712258"/>
+                <a:gridCol w="2631776">
+                  <a:extLst>
+                    <a:ext uri="{9D8B030D-6E8A-4147-A177-3AD203B41FA5}">
+                      <a16:colId xmlns:a16="http://schemas.microsoft.com/office/drawing/2014/main" val="20000"/>
+                    </a:ext>
+                  </a:extLst>
+                </a:gridCol>
+                <a:gridCol w="1680247">
+                  <a:extLst>
+                    <a:ext uri="{9D8B030D-6E8A-4147-A177-3AD203B41FA5}">
+                      <a16:colId xmlns:a16="http://schemas.microsoft.com/office/drawing/2014/main" val="20001"/>
+                    </a:ext>
+                  </a:extLst>
+                </a:gridCol>
+                <a:gridCol w="1685365">
+                  <a:extLst>
+                    <a:ext uri="{9D8B030D-6E8A-4147-A177-3AD203B41FA5}">
+                      <a16:colId xmlns:a16="http://schemas.microsoft.com/office/drawing/2014/main" val="20002"/>
+                    </a:ext>
+                  </a:extLst>
+                </a:gridCol>
+                <a:gridCol w="1748118">
+                  <a:extLst>
+                    <a:ext uri="{9D8B030D-6E8A-4147-A177-3AD203B41FA5}">
+                      <a16:colId xmlns:a16="http://schemas.microsoft.com/office/drawing/2014/main" val="20003"/>
+                    </a:ext>
+                  </a:extLst>
+                </a:gridCol>
+                <a:gridCol w="1550894">
+                  <a:extLst>
+                    <a:ext uri="{9D8B030D-6E8A-4147-A177-3AD203B41FA5}">
+                      <a16:colId xmlns:a16="http://schemas.microsoft.com/office/drawing/2014/main" val="20004"/>
+                    </a:ext>
+                  </a:extLst>
+                </a:gridCol>
+                <a:gridCol w="1712258">
+                  <a:extLst>
+                    <a:ext uri="{9D8B030D-6E8A-4147-A177-3AD203B41FA5}">
+                      <a16:colId xmlns:a16="http://schemas.microsoft.com/office/drawing/2014/main" val="20005"/>
+                    </a:ext>
+                  </a:extLst>
+                </a:gridCol>
               </a:tblGrid>
               <a:tr h="370840">
                 <a:tc>
@@ -3225,6 +3261,11 @@
                   </a:txBody>
                   <a:tcPr/>
                 </a:tc>
+                <a:extLst>
+                  <a:ext uri="{0D108BD9-81ED-4DB2-BD59-A6C34878D82A}">
+                    <a16:rowId xmlns:a16="http://schemas.microsoft.com/office/drawing/2014/main" val="10000"/>
+                  </a:ext>
+                </a:extLst>
               </a:tr>
               <a:tr h="370840">
                 <a:tc>
@@ -3332,19 +3373,24 @@
                     <a:p>
                       <a:r>
                         <a:rPr lang="en-US" dirty="0" smtClean="0"/>
-                        <a:t>FRR: 0.09186</a:t>
-                      </a:r>
-                    </a:p>
-                    <a:p>
-                      <a:r>
-                        <a:rPr lang="en-US" dirty="0" smtClean="0"/>
-                        <a:t>FAR: 0.86391</a:t>
-                      </a:r>
-                      <a:endParaRPr lang="en-US" dirty="0"/>
-                    </a:p>
-                  </a:txBody>
-                  <a:tcPr/>
-                </a:tc>
+                        <a:t>FRR: 0.08261</a:t>
+                      </a:r>
+                    </a:p>
+                    <a:p>
+                      <a:r>
+                        <a:rPr lang="en-US" dirty="0" smtClean="0"/>
+                        <a:t>FAR: 0.43239</a:t>
+                      </a:r>
+                      <a:endParaRPr lang="en-US" dirty="0"/>
+                    </a:p>
+                  </a:txBody>
+                  <a:tcPr/>
+                </a:tc>
+                <a:extLst>
+                  <a:ext uri="{0D108BD9-81ED-4DB2-BD59-A6C34878D82A}">
+                    <a16:rowId xmlns:a16="http://schemas.microsoft.com/office/drawing/2014/main" val="10001"/>
+                  </a:ext>
+                </a:extLst>
               </a:tr>
               <a:tr h="370840">
                 <a:tc>
@@ -3452,19 +3498,24 @@
                     <a:p>
                       <a:r>
                         <a:rPr lang="en-US" dirty="0" smtClean="0"/>
-                        <a:t>FRR: 0.09447</a:t>
-                      </a:r>
-                    </a:p>
-                    <a:p>
-                      <a:r>
-                        <a:rPr lang="en-US" dirty="0" smtClean="0"/>
-                        <a:t>FAR: 0.86331</a:t>
-                      </a:r>
-                      <a:endParaRPr lang="en-US" dirty="0"/>
-                    </a:p>
-                  </a:txBody>
-                  <a:tcPr/>
-                </a:tc>
+                        <a:t>FRR: 0.09664</a:t>
+                      </a:r>
+                    </a:p>
+                    <a:p>
+                      <a:r>
+                        <a:rPr lang="en-US" dirty="0" smtClean="0"/>
+                        <a:t>FAR: 0.68938</a:t>
+                      </a:r>
+                      <a:endParaRPr lang="en-US" dirty="0"/>
+                    </a:p>
+                  </a:txBody>
+                  <a:tcPr/>
+                </a:tc>
+                <a:extLst>
+                  <a:ext uri="{0D108BD9-81ED-4DB2-BD59-A6C34878D82A}">
+                    <a16:rowId xmlns:a16="http://schemas.microsoft.com/office/drawing/2014/main" val="10002"/>
+                  </a:ext>
+                </a:extLst>
               </a:tr>
               <a:tr h="370840">
                 <a:tc>
@@ -3572,19 +3623,24 @@
                     <a:p>
                       <a:r>
                         <a:rPr lang="en-US" dirty="0" smtClean="0"/>
-                        <a:t>FRR: 0.12219</a:t>
-                      </a:r>
-                    </a:p>
-                    <a:p>
-                      <a:r>
-                        <a:rPr lang="en-US" dirty="0" smtClean="0"/>
-                        <a:t>FAR: 0.76652</a:t>
-                      </a:r>
-                      <a:endParaRPr lang="en-US" dirty="0"/>
-                    </a:p>
-                  </a:txBody>
-                  <a:tcPr/>
-                </a:tc>
+                        <a:t>FRR: 0.13808</a:t>
+                      </a:r>
+                    </a:p>
+                    <a:p>
+                      <a:r>
+                        <a:rPr lang="en-US" dirty="0" smtClean="0"/>
+                        <a:t>FAR: 0.64490</a:t>
+                      </a:r>
+                      <a:endParaRPr lang="en-US" dirty="0"/>
+                    </a:p>
+                  </a:txBody>
+                  <a:tcPr/>
+                </a:tc>
+                <a:extLst>
+                  <a:ext uri="{0D108BD9-81ED-4DB2-BD59-A6C34878D82A}">
+                    <a16:rowId xmlns:a16="http://schemas.microsoft.com/office/drawing/2014/main" val="10003"/>
+                  </a:ext>
+                </a:extLst>
               </a:tr>
               <a:tr h="370840">
                 <a:tc>
@@ -3692,19 +3748,24 @@
                     <a:p>
                       <a:r>
                         <a:rPr lang="en-US" dirty="0" smtClean="0"/>
-                        <a:t>FRR: 0.10732</a:t>
-                      </a:r>
-                    </a:p>
-                    <a:p>
-                      <a:r>
-                        <a:rPr lang="en-US" dirty="0" smtClean="0"/>
-                        <a:t>FAR: 0.86420</a:t>
-                      </a:r>
-                      <a:endParaRPr lang="en-US" dirty="0"/>
-                    </a:p>
-                  </a:txBody>
-                  <a:tcPr/>
-                </a:tc>
+                        <a:t>FRR: 0.08051</a:t>
+                      </a:r>
+                    </a:p>
+                    <a:p>
+                      <a:r>
+                        <a:rPr lang="en-US" dirty="0" smtClean="0"/>
+                        <a:t>FAR: 0.58813</a:t>
+                      </a:r>
+                      <a:endParaRPr lang="en-US" dirty="0"/>
+                    </a:p>
+                  </a:txBody>
+                  <a:tcPr/>
+                </a:tc>
+                <a:extLst>
+                  <a:ext uri="{0D108BD9-81ED-4DB2-BD59-A6C34878D82A}">
+                    <a16:rowId xmlns:a16="http://schemas.microsoft.com/office/drawing/2014/main" val="10004"/>
+                  </a:ext>
+                </a:extLst>
               </a:tr>
               <a:tr h="370840">
                 <a:tc>
@@ -3812,19 +3873,24 @@
                     <a:p>
                       <a:r>
                         <a:rPr lang="en-US" dirty="0" smtClean="0"/>
-                        <a:t>FRR: 0.07202</a:t>
-                      </a:r>
-                    </a:p>
-                    <a:p>
-                      <a:r>
-                        <a:rPr lang="en-US" dirty="0" smtClean="0"/>
-                        <a:t>FAR: 0.80992</a:t>
-                      </a:r>
-                      <a:endParaRPr lang="en-US" dirty="0"/>
-                    </a:p>
-                  </a:txBody>
-                  <a:tcPr/>
-                </a:tc>
+                        <a:t>FRR: 0.14798</a:t>
+                      </a:r>
+                    </a:p>
+                    <a:p>
+                      <a:r>
+                        <a:rPr lang="en-US" dirty="0" smtClean="0"/>
+                        <a:t>FAR: 0.60946</a:t>
+                      </a:r>
+                      <a:endParaRPr lang="en-US" dirty="0"/>
+                    </a:p>
+                  </a:txBody>
+                  <a:tcPr/>
+                </a:tc>
+                <a:extLst>
+                  <a:ext uri="{0D108BD9-81ED-4DB2-BD59-A6C34878D82A}">
+                    <a16:rowId xmlns:a16="http://schemas.microsoft.com/office/drawing/2014/main" val="10005"/>
+                  </a:ext>
+                </a:extLst>
               </a:tr>
               <a:tr h="370840">
                 <a:tc>
@@ -3946,19 +4012,24 @@
                     <a:p>
                       <a:r>
                         <a:rPr lang="en-US" dirty="0" smtClean="0"/>
-                        <a:t>FRR: 0.10398</a:t>
-                      </a:r>
-                    </a:p>
-                    <a:p>
-                      <a:r>
-                        <a:rPr lang="en-US" dirty="0" smtClean="0"/>
-                        <a:t>FAR: 0.89380</a:t>
-                      </a:r>
-                      <a:endParaRPr lang="en-US" dirty="0"/>
-                    </a:p>
-                  </a:txBody>
-                  <a:tcPr/>
-                </a:tc>
+                        <a:t>FRR: 0.06883</a:t>
+                      </a:r>
+                    </a:p>
+                    <a:p>
+                      <a:r>
+                        <a:rPr lang="en-US" dirty="0" smtClean="0"/>
+                        <a:t>FAR: 0.63742</a:t>
+                      </a:r>
+                      <a:endParaRPr lang="en-US" dirty="0"/>
+                    </a:p>
+                  </a:txBody>
+                  <a:tcPr/>
+                </a:tc>
+                <a:extLst>
+                  <a:ext uri="{0D108BD9-81ED-4DB2-BD59-A6C34878D82A}">
+                    <a16:rowId xmlns:a16="http://schemas.microsoft.com/office/drawing/2014/main" val="10006"/>
+                  </a:ext>
+                </a:extLst>
               </a:tr>
               <a:tr h="370840">
                 <a:tc>
@@ -4072,19 +4143,24 @@
                     <a:p>
                       <a:r>
                         <a:rPr lang="en-US" dirty="0" smtClean="0"/>
-                        <a:t>FRR: 0.09864</a:t>
-                      </a:r>
-                    </a:p>
-                    <a:p>
-                      <a:r>
-                        <a:rPr lang="en-US" dirty="0" smtClean="0"/>
-                        <a:t>FAR: 0.84361</a:t>
-                      </a:r>
-                      <a:endParaRPr lang="en-US" dirty="0"/>
-                    </a:p>
-                  </a:txBody>
-                  <a:tcPr/>
-                </a:tc>
+                        <a:t>FRR: 0.10244</a:t>
+                      </a:r>
+                    </a:p>
+                    <a:p>
+                      <a:r>
+                        <a:rPr lang="en-US" dirty="0" smtClean="0"/>
+                        <a:t>FAR: 0.60028</a:t>
+                      </a:r>
+                      <a:endParaRPr lang="en-US" dirty="0"/>
+                    </a:p>
+                  </a:txBody>
+                  <a:tcPr/>
+                </a:tc>
+                <a:extLst>
+                  <a:ext uri="{0D108BD9-81ED-4DB2-BD59-A6C34878D82A}">
+                    <a16:rowId xmlns:a16="http://schemas.microsoft.com/office/drawing/2014/main" val="10007"/>
+                  </a:ext>
+                </a:extLst>
               </a:tr>
             </a:tbl>
           </a:graphicData>
@@ -4113,15 +4189,7 @@
           <a:p>
             <a:r>
               <a:rPr lang="en-US" dirty="0" smtClean="0"/>
-              <a:t>Title: Average FAR and FRR for all Activities for all users using </a:t>
-            </a:r>
-            <a:r>
-              <a:rPr lang="en-US" dirty="0" smtClean="0"/>
-              <a:t>AE features </a:t>
-            </a:r>
-            <a:r>
-              <a:rPr lang="en-US" dirty="0" smtClean="0"/>
-              <a:t>from non-filtered data with One-class SVMs</a:t>
+              <a:t>Title: Average FAR and FRR for all Activities for all users using AE features from non-filtered data with One-class SVMs</a:t>
             </a:r>
           </a:p>
         </p:txBody>
@@ -4186,15 +4254,7 @@
           <a:p>
             <a:r>
               <a:rPr lang="en-US" dirty="0" smtClean="0"/>
-              <a:t>Title: Average FAR and FRR for all Activities for all </a:t>
-            </a:r>
-            <a:r>
-              <a:rPr lang="en-US" dirty="0" smtClean="0"/>
-              <a:t>users </a:t>
-            </a:r>
-            <a:r>
-              <a:rPr lang="en-US" dirty="0" smtClean="0"/>
-              <a:t>using </a:t>
+              <a:t>Title: Average FAR and FRR for all Activities for all users using </a:t>
             </a:r>
             <a:r>
               <a:rPr lang="en-US" dirty="0"/>
@@ -4202,11 +4262,7 @@
             </a:r>
             <a:r>
               <a:rPr lang="en-US" dirty="0" smtClean="0"/>
-              <a:t>features from </a:t>
-            </a:r>
-            <a:r>
-              <a:rPr lang="en-US" dirty="0" smtClean="0"/>
-              <a:t>filtered data with One-class SVMs</a:t>
+              <a:t>features from filtered data with One-class SVMs</a:t>
             </a:r>
             <a:endParaRPr lang="en-US" dirty="0"/>
           </a:p>
@@ -4221,7 +4277,7 @@
           <p:nvPr>
             <p:extLst>
               <p:ext uri="{D42A27DB-BD31-4B8C-83A1-F6EECF244321}">
-                <p14:modId xmlns:p14="http://schemas.microsoft.com/office/powerpoint/2010/main" val="3947352938"/>
+                <p14:modId xmlns:p14="http://schemas.microsoft.com/office/powerpoint/2010/main" val="2680115215"/>
               </p:ext>
             </p:extLst>
           </p:nvPr>
@@ -4237,12 +4293,48 @@
                 <a:tableStyleId>{5C22544A-7EE6-4342-B048-85BDC9FD1C3A}</a:tableStyleId>
               </a:tblPr>
               <a:tblGrid>
-                <a:gridCol w="2631776"/>
-                <a:gridCol w="1680247"/>
-                <a:gridCol w="1685365"/>
-                <a:gridCol w="1748118"/>
-                <a:gridCol w="1550894"/>
-                <a:gridCol w="1712258"/>
+                <a:gridCol w="2631776">
+                  <a:extLst>
+                    <a:ext uri="{9D8B030D-6E8A-4147-A177-3AD203B41FA5}">
+                      <a16:colId xmlns:a16="http://schemas.microsoft.com/office/drawing/2014/main" val="20000"/>
+                    </a:ext>
+                  </a:extLst>
+                </a:gridCol>
+                <a:gridCol w="1680247">
+                  <a:extLst>
+                    <a:ext uri="{9D8B030D-6E8A-4147-A177-3AD203B41FA5}">
+                      <a16:colId xmlns:a16="http://schemas.microsoft.com/office/drawing/2014/main" val="20001"/>
+                    </a:ext>
+                  </a:extLst>
+                </a:gridCol>
+                <a:gridCol w="1685365">
+                  <a:extLst>
+                    <a:ext uri="{9D8B030D-6E8A-4147-A177-3AD203B41FA5}">
+                      <a16:colId xmlns:a16="http://schemas.microsoft.com/office/drawing/2014/main" val="20002"/>
+                    </a:ext>
+                  </a:extLst>
+                </a:gridCol>
+                <a:gridCol w="1748118">
+                  <a:extLst>
+                    <a:ext uri="{9D8B030D-6E8A-4147-A177-3AD203B41FA5}">
+                      <a16:colId xmlns:a16="http://schemas.microsoft.com/office/drawing/2014/main" val="20003"/>
+                    </a:ext>
+                  </a:extLst>
+                </a:gridCol>
+                <a:gridCol w="1550894">
+                  <a:extLst>
+                    <a:ext uri="{9D8B030D-6E8A-4147-A177-3AD203B41FA5}">
+                      <a16:colId xmlns:a16="http://schemas.microsoft.com/office/drawing/2014/main" val="20004"/>
+                    </a:ext>
+                  </a:extLst>
+                </a:gridCol>
+                <a:gridCol w="1712258">
+                  <a:extLst>
+                    <a:ext uri="{9D8B030D-6E8A-4147-A177-3AD203B41FA5}">
+                      <a16:colId xmlns:a16="http://schemas.microsoft.com/office/drawing/2014/main" val="20005"/>
+                    </a:ext>
+                  </a:extLst>
+                </a:gridCol>
               </a:tblGrid>
               <a:tr h="701362">
                 <a:tc>
@@ -4362,6 +4454,11 @@
                   </a:txBody>
                   <a:tcPr/>
                 </a:tc>
+                <a:extLst>
+                  <a:ext uri="{0D108BD9-81ED-4DB2-BD59-A6C34878D82A}">
+                    <a16:rowId xmlns:a16="http://schemas.microsoft.com/office/drawing/2014/main" val="10000"/>
+                  </a:ext>
+                </a:extLst>
               </a:tr>
               <a:tr h="655856">
                 <a:tc>
@@ -4469,19 +4566,24 @@
                     <a:p>
                       <a:r>
                         <a:rPr lang="en-US" dirty="0" smtClean="0"/>
-                        <a:t>FRR: 0.12336</a:t>
-                      </a:r>
-                    </a:p>
-                    <a:p>
-                      <a:r>
-                        <a:rPr lang="en-US" dirty="0" smtClean="0"/>
-                        <a:t>FAR: 0.84683</a:t>
-                      </a:r>
-                      <a:endParaRPr lang="en-US" dirty="0"/>
-                    </a:p>
-                  </a:txBody>
-                  <a:tcPr/>
-                </a:tc>
+                        <a:t>FRR: 0.13478</a:t>
+                      </a:r>
+                    </a:p>
+                    <a:p>
+                      <a:r>
+                        <a:rPr lang="en-US" dirty="0" smtClean="0"/>
+                        <a:t>FAR: 0.57590</a:t>
+                      </a:r>
+                      <a:endParaRPr lang="en-US" dirty="0"/>
+                    </a:p>
+                  </a:txBody>
+                  <a:tcPr/>
+                </a:tc>
+                <a:extLst>
+                  <a:ext uri="{0D108BD9-81ED-4DB2-BD59-A6C34878D82A}">
+                    <a16:rowId xmlns:a16="http://schemas.microsoft.com/office/drawing/2014/main" val="10001"/>
+                  </a:ext>
+                </a:extLst>
               </a:tr>
               <a:tr h="655856">
                 <a:tc>
@@ -4589,19 +4691,24 @@
                     <a:p>
                       <a:r>
                         <a:rPr lang="en-US" dirty="0" smtClean="0"/>
-                        <a:t>FRR: 0.09447</a:t>
-                      </a:r>
-                    </a:p>
-                    <a:p>
-                      <a:r>
-                        <a:rPr lang="en-US" dirty="0" smtClean="0"/>
-                        <a:t>FAR: 0.79961</a:t>
-                      </a:r>
-                      <a:endParaRPr lang="en-US" dirty="0"/>
-                    </a:p>
-                  </a:txBody>
-                  <a:tcPr/>
-                </a:tc>
+                        <a:t>FRR: 0.09244</a:t>
+                      </a:r>
+                    </a:p>
+                    <a:p>
+                      <a:r>
+                        <a:rPr lang="en-US" dirty="0" smtClean="0"/>
+                        <a:t>FAR: 0.57932</a:t>
+                      </a:r>
+                      <a:endParaRPr lang="en-US" dirty="0"/>
+                    </a:p>
+                  </a:txBody>
+                  <a:tcPr/>
+                </a:tc>
+                <a:extLst>
+                  <a:ext uri="{0D108BD9-81ED-4DB2-BD59-A6C34878D82A}">
+                    <a16:rowId xmlns:a16="http://schemas.microsoft.com/office/drawing/2014/main" val="10002"/>
+                  </a:ext>
+                </a:extLst>
               </a:tr>
               <a:tr h="655856">
                 <a:tc>
@@ -4709,19 +4816,24 @@
                     <a:p>
                       <a:r>
                         <a:rPr lang="en-US" dirty="0" smtClean="0"/>
-                        <a:t>FRR: 0.06733</a:t>
-                      </a:r>
-                    </a:p>
-                    <a:p>
-                      <a:r>
-                        <a:rPr lang="en-US" dirty="0" smtClean="0"/>
-                        <a:t>FAR: 0.78171</a:t>
-                      </a:r>
-                      <a:endParaRPr lang="en-US" dirty="0"/>
-                    </a:p>
-                  </a:txBody>
-                  <a:tcPr/>
-                </a:tc>
+                        <a:t>FRR: 0.11715</a:t>
+                      </a:r>
+                    </a:p>
+                    <a:p>
+                      <a:r>
+                        <a:rPr lang="en-US" dirty="0" smtClean="0"/>
+                        <a:t>FAR: 0.76713</a:t>
+                      </a:r>
+                      <a:endParaRPr lang="en-US" dirty="0"/>
+                    </a:p>
+                  </a:txBody>
+                  <a:tcPr/>
+                </a:tc>
+                <a:extLst>
+                  <a:ext uri="{0D108BD9-81ED-4DB2-BD59-A6C34878D82A}">
+                    <a16:rowId xmlns:a16="http://schemas.microsoft.com/office/drawing/2014/main" val="10003"/>
+                  </a:ext>
+                </a:extLst>
               </a:tr>
               <a:tr h="655856">
                 <a:tc>
@@ -4829,19 +4941,24 @@
                     <a:p>
                       <a:r>
                         <a:rPr lang="en-US" dirty="0" smtClean="0"/>
-                        <a:t>FRR: 0.10732</a:t>
-                      </a:r>
-                    </a:p>
-                    <a:p>
-                      <a:r>
-                        <a:rPr lang="en-US" dirty="0" smtClean="0"/>
-                        <a:t>FAR: 0.82788</a:t>
-                      </a:r>
-                      <a:endParaRPr lang="en-US" dirty="0"/>
-                    </a:p>
-                  </a:txBody>
-                  <a:tcPr/>
-                </a:tc>
+                        <a:t>FRR: 0.13559</a:t>
+                      </a:r>
+                    </a:p>
+                    <a:p>
+                      <a:r>
+                        <a:rPr lang="en-US" dirty="0" smtClean="0"/>
+                        <a:t>FAR: 0.56022</a:t>
+                      </a:r>
+                      <a:endParaRPr lang="en-US" dirty="0"/>
+                    </a:p>
+                  </a:txBody>
+                  <a:tcPr/>
+                </a:tc>
+                <a:extLst>
+                  <a:ext uri="{0D108BD9-81ED-4DB2-BD59-A6C34878D82A}">
+                    <a16:rowId xmlns:a16="http://schemas.microsoft.com/office/drawing/2014/main" val="10004"/>
+                  </a:ext>
+                </a:extLst>
               </a:tr>
               <a:tr h="655856">
                 <a:tc>
@@ -4949,19 +5066,24 @@
                     <a:p>
                       <a:r>
                         <a:rPr lang="en-US" dirty="0" smtClean="0"/>
-                        <a:t>FRR: 0.12188</a:t>
-                      </a:r>
-                    </a:p>
-                    <a:p>
-                      <a:r>
-                        <a:rPr lang="en-US" dirty="0" smtClean="0"/>
-                        <a:t>FAR: 0.74570</a:t>
-                      </a:r>
-                      <a:endParaRPr lang="en-US" dirty="0"/>
-                    </a:p>
-                  </a:txBody>
-                  <a:tcPr/>
-                </a:tc>
+                        <a:t>FRR: 0.12108</a:t>
+                      </a:r>
+                    </a:p>
+                    <a:p>
+                      <a:r>
+                        <a:rPr lang="en-US" dirty="0" smtClean="0"/>
+                        <a:t>FAR: 0.50951</a:t>
+                      </a:r>
+                      <a:endParaRPr lang="en-US" dirty="0"/>
+                    </a:p>
+                  </a:txBody>
+                  <a:tcPr/>
+                </a:tc>
+                <a:extLst>
+                  <a:ext uri="{0D108BD9-81ED-4DB2-BD59-A6C34878D82A}">
+                    <a16:rowId xmlns:a16="http://schemas.microsoft.com/office/drawing/2014/main" val="10005"/>
+                  </a:ext>
+                </a:extLst>
               </a:tr>
               <a:tr h="655856">
                 <a:tc>
@@ -5083,19 +5205,24 @@
                     <a:p>
                       <a:r>
                         <a:rPr lang="en-US" dirty="0" smtClean="0"/>
-                        <a:t>FRR: 0.11726</a:t>
-                      </a:r>
-                    </a:p>
-                    <a:p>
-                      <a:r>
-                        <a:rPr lang="en-US" dirty="0" smtClean="0"/>
-                        <a:t>FAR: 0.84075</a:t>
-                      </a:r>
-                      <a:endParaRPr lang="en-US" dirty="0"/>
-                    </a:p>
-                  </a:txBody>
-                  <a:tcPr/>
-                </a:tc>
+                        <a:t>FRR: 0.08907</a:t>
+                      </a:r>
+                    </a:p>
+                    <a:p>
+                      <a:r>
+                        <a:rPr lang="en-US" dirty="0" smtClean="0"/>
+                        <a:t>FAR: 0.74163</a:t>
+                      </a:r>
+                      <a:endParaRPr lang="en-US" dirty="0"/>
+                    </a:p>
+                  </a:txBody>
+                  <a:tcPr/>
+                </a:tc>
+                <a:extLst>
+                  <a:ext uri="{0D108BD9-81ED-4DB2-BD59-A6C34878D82A}">
+                    <a16:rowId xmlns:a16="http://schemas.microsoft.com/office/drawing/2014/main" val="10006"/>
+                  </a:ext>
+                </a:extLst>
               </a:tr>
               <a:tr h="655856">
                 <a:tc>
@@ -5209,19 +5336,24 @@
                     <a:p>
                       <a:r>
                         <a:rPr lang="en-US" dirty="0" smtClean="0"/>
-                        <a:t>FRR: 0.10527</a:t>
-                      </a:r>
-                    </a:p>
-                    <a:p>
-                      <a:r>
-                        <a:rPr lang="en-US" dirty="0" smtClean="0"/>
-                        <a:t>FAR: 0.80708</a:t>
-                      </a:r>
-                      <a:endParaRPr lang="en-US" dirty="0"/>
-                    </a:p>
-                  </a:txBody>
-                  <a:tcPr/>
-                </a:tc>
+                        <a:t>FRR: 0.11502</a:t>
+                      </a:r>
+                    </a:p>
+                    <a:p>
+                      <a:r>
+                        <a:rPr lang="en-US" smtClean="0"/>
+                        <a:t>FAR: 0.62229</a:t>
+                      </a:r>
+                      <a:endParaRPr lang="en-US" dirty="0"/>
+                    </a:p>
+                  </a:txBody>
+                  <a:tcPr/>
+                </a:tc>
+                <a:extLst>
+                  <a:ext uri="{0D108BD9-81ED-4DB2-BD59-A6C34878D82A}">
+                    <a16:rowId xmlns:a16="http://schemas.microsoft.com/office/drawing/2014/main" val="10007"/>
+                  </a:ext>
+                </a:extLst>
               </a:tr>
             </a:tbl>
           </a:graphicData>

--- a/report SVM handcrafted and PCA/AUTHENTICATION AE5(n-0.5n-n).pptx
+++ b/report SVM handcrafted and PCA/AUTHENTICATION AE5(n-0.5n-n).pptx
@@ -256,7 +256,7 @@
           <a:p>
             <a:fld id="{553A844F-FF5C-934C-B225-48B8FD889570}" type="datetimeFigureOut">
               <a:rPr lang="en-US" smtClean="0"/>
-              <a:t>11/2/2017</a:t>
+              <a:t>11/6/2017</a:t>
             </a:fld>
             <a:endParaRPr lang="en-US"/>
           </a:p>
@@ -426,7 +426,7 @@
           <a:p>
             <a:fld id="{553A844F-FF5C-934C-B225-48B8FD889570}" type="datetimeFigureOut">
               <a:rPr lang="en-US" smtClean="0"/>
-              <a:t>11/2/2017</a:t>
+              <a:t>11/6/2017</a:t>
             </a:fld>
             <a:endParaRPr lang="en-US"/>
           </a:p>
@@ -606,7 +606,7 @@
           <a:p>
             <a:fld id="{553A844F-FF5C-934C-B225-48B8FD889570}" type="datetimeFigureOut">
               <a:rPr lang="en-US" smtClean="0"/>
-              <a:t>11/2/2017</a:t>
+              <a:t>11/6/2017</a:t>
             </a:fld>
             <a:endParaRPr lang="en-US"/>
           </a:p>
@@ -776,7 +776,7 @@
           <a:p>
             <a:fld id="{553A844F-FF5C-934C-B225-48B8FD889570}" type="datetimeFigureOut">
               <a:rPr lang="en-US" smtClean="0"/>
-              <a:t>11/2/2017</a:t>
+              <a:t>11/6/2017</a:t>
             </a:fld>
             <a:endParaRPr lang="en-US"/>
           </a:p>
@@ -1022,7 +1022,7 @@
           <a:p>
             <a:fld id="{553A844F-FF5C-934C-B225-48B8FD889570}" type="datetimeFigureOut">
               <a:rPr lang="en-US" smtClean="0"/>
-              <a:t>11/2/2017</a:t>
+              <a:t>11/6/2017</a:t>
             </a:fld>
             <a:endParaRPr lang="en-US"/>
           </a:p>
@@ -1254,7 +1254,7 @@
           <a:p>
             <a:fld id="{553A844F-FF5C-934C-B225-48B8FD889570}" type="datetimeFigureOut">
               <a:rPr lang="en-US" smtClean="0"/>
-              <a:t>11/2/2017</a:t>
+              <a:t>11/6/2017</a:t>
             </a:fld>
             <a:endParaRPr lang="en-US"/>
           </a:p>
@@ -1621,7 +1621,7 @@
           <a:p>
             <a:fld id="{553A844F-FF5C-934C-B225-48B8FD889570}" type="datetimeFigureOut">
               <a:rPr lang="en-US" smtClean="0"/>
-              <a:t>11/2/2017</a:t>
+              <a:t>11/6/2017</a:t>
             </a:fld>
             <a:endParaRPr lang="en-US"/>
           </a:p>
@@ -1739,7 +1739,7 @@
           <a:p>
             <a:fld id="{553A844F-FF5C-934C-B225-48B8FD889570}" type="datetimeFigureOut">
               <a:rPr lang="en-US" smtClean="0"/>
-              <a:t>11/2/2017</a:t>
+              <a:t>11/6/2017</a:t>
             </a:fld>
             <a:endParaRPr lang="en-US"/>
           </a:p>
@@ -1834,7 +1834,7 @@
           <a:p>
             <a:fld id="{553A844F-FF5C-934C-B225-48B8FD889570}" type="datetimeFigureOut">
               <a:rPr lang="en-US" smtClean="0"/>
-              <a:t>11/2/2017</a:t>
+              <a:t>11/6/2017</a:t>
             </a:fld>
             <a:endParaRPr lang="en-US"/>
           </a:p>
@@ -2111,7 +2111,7 @@
           <a:p>
             <a:fld id="{553A844F-FF5C-934C-B225-48B8FD889570}" type="datetimeFigureOut">
               <a:rPr lang="en-US" smtClean="0"/>
-              <a:t>11/2/2017</a:t>
+              <a:t>11/6/2017</a:t>
             </a:fld>
             <a:endParaRPr lang="en-US"/>
           </a:p>
@@ -2364,7 +2364,7 @@
           <a:p>
             <a:fld id="{553A844F-FF5C-934C-B225-48B8FD889570}" type="datetimeFigureOut">
               <a:rPr lang="en-US" smtClean="0"/>
-              <a:t>11/2/2017</a:t>
+              <a:t>11/6/2017</a:t>
             </a:fld>
             <a:endParaRPr lang="en-US"/>
           </a:p>
@@ -2577,7 +2577,7 @@
           <a:p>
             <a:fld id="{553A844F-FF5C-934C-B225-48B8FD889570}" type="datetimeFigureOut">
               <a:rPr lang="en-US" smtClean="0"/>
-              <a:t>11/2/2017</a:t>
+              <a:t>11/6/2017</a:t>
             </a:fld>
             <a:endParaRPr lang="en-US"/>
           </a:p>
@@ -4277,7 +4277,7 @@
           <p:nvPr>
             <p:extLst>
               <p:ext uri="{D42A27DB-BD31-4B8C-83A1-F6EECF244321}">
-                <p14:modId xmlns:p14="http://schemas.microsoft.com/office/powerpoint/2010/main" val="2680115215"/>
+                <p14:modId xmlns:p14="http://schemas.microsoft.com/office/powerpoint/2010/main" val="3199956752"/>
               </p:ext>
             </p:extLst>
           </p:nvPr>
@@ -4307,14 +4307,14 @@
                     </a:ext>
                   </a:extLst>
                 </a:gridCol>
-                <a:gridCol w="1685365">
+                <a:gridCol w="1659451">
                   <a:extLst>
                     <a:ext uri="{9D8B030D-6E8A-4147-A177-3AD203B41FA5}">
                       <a16:colId xmlns:a16="http://schemas.microsoft.com/office/drawing/2014/main" val="20002"/>
                     </a:ext>
                   </a:extLst>
                 </a:gridCol>
-                <a:gridCol w="1748118">
+                <a:gridCol w="1774032">
                   <a:extLst>
                     <a:ext uri="{9D8B030D-6E8A-4147-A177-3AD203B41FA5}">
                       <a16:colId xmlns:a16="http://schemas.microsoft.com/office/drawing/2014/main" val="20003"/>
@@ -4486,73 +4486,73 @@
                     <a:p>
                       <a:r>
                         <a:rPr lang="en-US" dirty="0" smtClean="0"/>
-                        <a:t>FRR: 0.11588</a:t>
-                      </a:r>
-                    </a:p>
-                    <a:p>
-                      <a:r>
-                        <a:rPr lang="en-US" dirty="0" smtClean="0"/>
-                        <a:t>FAR: 0.83353</a:t>
-                      </a:r>
-                      <a:endParaRPr lang="en-US" dirty="0"/>
-                    </a:p>
-                  </a:txBody>
-                  <a:tcPr/>
-                </a:tc>
-                <a:tc>
-                  <a:txBody>
-                    <a:bodyPr/>
-                    <a:lstStyle/>
-                    <a:p>
-                      <a:r>
-                        <a:rPr lang="en-US" dirty="0" smtClean="0"/>
-                        <a:t>FRR: 0.03704</a:t>
-                      </a:r>
-                    </a:p>
-                    <a:p>
-                      <a:r>
-                        <a:rPr lang="en-US" dirty="0" smtClean="0"/>
-                        <a:t>FAR: 0.63188</a:t>
-                      </a:r>
-                      <a:endParaRPr lang="en-US" dirty="0"/>
-                    </a:p>
-                  </a:txBody>
-                  <a:tcPr/>
-                </a:tc>
-                <a:tc>
-                  <a:txBody>
-                    <a:bodyPr/>
-                    <a:lstStyle/>
-                    <a:p>
-                      <a:r>
-                        <a:rPr lang="en-US" dirty="0" smtClean="0"/>
-                        <a:t>FRR: 0.25000</a:t>
-                      </a:r>
-                    </a:p>
-                    <a:p>
-                      <a:r>
-                        <a:rPr lang="en-US" dirty="0" smtClean="0"/>
-                        <a:t>FAR: 0.67342</a:t>
-                      </a:r>
-                      <a:endParaRPr lang="en-US" dirty="0"/>
-                    </a:p>
-                  </a:txBody>
-                  <a:tcPr/>
-                </a:tc>
-                <a:tc>
-                  <a:txBody>
-                    <a:bodyPr/>
-                    <a:lstStyle/>
-                    <a:p>
-                      <a:r>
-                        <a:rPr lang="en-US" dirty="0" smtClean="0"/>
-                        <a:t>FRR: 0.17241</a:t>
-                      </a:r>
-                    </a:p>
-                    <a:p>
-                      <a:r>
-                        <a:rPr lang="en-US" dirty="0" smtClean="0"/>
-                        <a:t>FAR: 0.54063</a:t>
+                        <a:t>FRR: 0.15880</a:t>
+                      </a:r>
+                    </a:p>
+                    <a:p>
+                      <a:r>
+                        <a:rPr lang="en-US" dirty="0" smtClean="0"/>
+                        <a:t>FAR: 0.81772</a:t>
+                      </a:r>
+                      <a:endParaRPr lang="en-US" dirty="0"/>
+                    </a:p>
+                  </a:txBody>
+                  <a:tcPr/>
+                </a:tc>
+                <a:tc>
+                  <a:txBody>
+                    <a:bodyPr/>
+                    <a:lstStyle/>
+                    <a:p>
+                      <a:r>
+                        <a:rPr lang="en-US" dirty="0" smtClean="0"/>
+                        <a:t>FRR: 0.12346</a:t>
+                      </a:r>
+                    </a:p>
+                    <a:p>
+                      <a:r>
+                        <a:rPr lang="en-US" dirty="0" smtClean="0"/>
+                        <a:t>FAR: 0.60147</a:t>
+                      </a:r>
+                      <a:endParaRPr lang="en-US" dirty="0"/>
+                    </a:p>
+                  </a:txBody>
+                  <a:tcPr/>
+                </a:tc>
+                <a:tc>
+                  <a:txBody>
+                    <a:bodyPr/>
+                    <a:lstStyle/>
+                    <a:p>
+                      <a:r>
+                        <a:rPr lang="en-US" dirty="0" smtClean="0"/>
+                        <a:t>FRR: 0.10938</a:t>
+                      </a:r>
+                    </a:p>
+                    <a:p>
+                      <a:r>
+                        <a:rPr lang="en-US" dirty="0" smtClean="0"/>
+                        <a:t>FAR: 0.83977</a:t>
+                      </a:r>
+                      <a:endParaRPr lang="en-US" dirty="0"/>
+                    </a:p>
+                  </a:txBody>
+                  <a:tcPr/>
+                </a:tc>
+                <a:tc>
+                  <a:txBody>
+                    <a:bodyPr/>
+                    <a:lstStyle/>
+                    <a:p>
+                      <a:r>
+                        <a:rPr lang="en-US" dirty="0" smtClean="0"/>
+                        <a:t>FRR: 0.19540</a:t>
+                      </a:r>
+                    </a:p>
+                    <a:p>
+                      <a:r>
+                        <a:rPr lang="en-US" dirty="0" smtClean="0"/>
+                        <a:t>FAR: 0.27589</a:t>
                       </a:r>
                       <a:endParaRPr lang="en-US" dirty="0"/>
                     </a:p>
@@ -4572,7 +4572,7 @@
                     <a:p>
                       <a:r>
                         <a:rPr lang="en-US" dirty="0" smtClean="0"/>
-                        <a:t>FAR: 0.57590</a:t>
+                        <a:t>FAR: 0.71535</a:t>
                       </a:r>
                       <a:endParaRPr lang="en-US" dirty="0"/>
                     </a:p>
@@ -4611,93 +4611,93 @@
                     <a:p>
                       <a:r>
                         <a:rPr lang="en-US" dirty="0" smtClean="0"/>
-                        <a:t>FRR: 0.10256</a:t>
-                      </a:r>
-                    </a:p>
-                    <a:p>
-                      <a:r>
-                        <a:rPr lang="en-US" dirty="0" smtClean="0"/>
-                        <a:t>FAR: 0.70529</a:t>
-                      </a:r>
-                      <a:endParaRPr lang="en-US" dirty="0"/>
-                    </a:p>
-                  </a:txBody>
-                  <a:tcPr/>
-                </a:tc>
-                <a:tc>
-                  <a:txBody>
-                    <a:bodyPr/>
-                    <a:lstStyle/>
-                    <a:p>
-                      <a:r>
-                        <a:rPr lang="en-US" dirty="0" smtClean="0"/>
-                        <a:t>FRR: 0.14085</a:t>
-                      </a:r>
-                    </a:p>
-                    <a:p>
-                      <a:r>
-                        <a:rPr lang="en-US" dirty="0" smtClean="0"/>
-                        <a:t>FAR: 0.29990</a:t>
-                      </a:r>
-                      <a:endParaRPr lang="en-US" dirty="0"/>
-                    </a:p>
-                  </a:txBody>
-                  <a:tcPr/>
-                </a:tc>
-                <a:tc>
-                  <a:txBody>
-                    <a:bodyPr/>
-                    <a:lstStyle/>
-                    <a:p>
-                      <a:r>
-                        <a:rPr lang="en-US" dirty="0" smtClean="0"/>
-                        <a:t>FRR: 0.09184</a:t>
-                      </a:r>
-                    </a:p>
-                    <a:p>
-                      <a:r>
-                        <a:rPr lang="en-US" dirty="0" smtClean="0"/>
-                        <a:t>FAR: 0.68254</a:t>
-                      </a:r>
-                      <a:endParaRPr lang="en-US" dirty="0"/>
-                    </a:p>
-                  </a:txBody>
-                  <a:tcPr/>
-                </a:tc>
-                <a:tc>
-                  <a:txBody>
-                    <a:bodyPr/>
-                    <a:lstStyle/>
-                    <a:p>
-                      <a:r>
-                        <a:rPr lang="en-US" dirty="0" smtClean="0"/>
-                        <a:t>FRR: 0.08163</a:t>
-                      </a:r>
-                    </a:p>
-                    <a:p>
-                      <a:r>
-                        <a:rPr lang="en-US" dirty="0" smtClean="0"/>
-                        <a:t>FAR: 0.84302</a:t>
-                      </a:r>
-                      <a:endParaRPr lang="en-US" dirty="0"/>
-                    </a:p>
-                  </a:txBody>
-                  <a:tcPr/>
-                </a:tc>
-                <a:tc>
-                  <a:txBody>
-                    <a:bodyPr/>
-                    <a:lstStyle/>
-                    <a:p>
-                      <a:r>
-                        <a:rPr lang="en-US" dirty="0" smtClean="0"/>
-                        <a:t>FRR: 0.09244</a:t>
-                      </a:r>
-                    </a:p>
-                    <a:p>
-                      <a:r>
-                        <a:rPr lang="en-US" dirty="0" smtClean="0"/>
-                        <a:t>FAR: 0.57932</a:t>
+                        <a:t>FRR: 0.11111</a:t>
+                      </a:r>
+                    </a:p>
+                    <a:p>
+                      <a:r>
+                        <a:rPr lang="en-US" dirty="0" smtClean="0"/>
+                        <a:t>FAR: 0.73150</a:t>
+                      </a:r>
+                      <a:endParaRPr lang="en-US" dirty="0"/>
+                    </a:p>
+                  </a:txBody>
+                  <a:tcPr/>
+                </a:tc>
+                <a:tc>
+                  <a:txBody>
+                    <a:bodyPr/>
+                    <a:lstStyle/>
+                    <a:p>
+                      <a:r>
+                        <a:rPr lang="en-US" dirty="0" smtClean="0"/>
+                        <a:t>FRR: 0.07042</a:t>
+                      </a:r>
+                    </a:p>
+                    <a:p>
+                      <a:r>
+                        <a:rPr lang="en-US" dirty="0" smtClean="0"/>
+                        <a:t>FAR: 0.31013</a:t>
+                      </a:r>
+                      <a:endParaRPr lang="en-US" dirty="0"/>
+                    </a:p>
+                  </a:txBody>
+                  <a:tcPr/>
+                </a:tc>
+                <a:tc>
+                  <a:txBody>
+                    <a:bodyPr/>
+                    <a:lstStyle/>
+                    <a:p>
+                      <a:r>
+                        <a:rPr lang="en-US" dirty="0" smtClean="0"/>
+                        <a:t>FRR: 0.11224</a:t>
+                      </a:r>
+                    </a:p>
+                    <a:p>
+                      <a:r>
+                        <a:rPr lang="en-US" dirty="0" smtClean="0"/>
+                        <a:t>FAR: 0.63185</a:t>
+                      </a:r>
+                      <a:endParaRPr lang="en-US" dirty="0"/>
+                    </a:p>
+                  </a:txBody>
+                  <a:tcPr/>
+                </a:tc>
+                <a:tc>
+                  <a:txBody>
+                    <a:bodyPr/>
+                    <a:lstStyle/>
+                    <a:p>
+                      <a:r>
+                        <a:rPr lang="en-US" dirty="0" smtClean="0"/>
+                        <a:t>FRR: 0.15306</a:t>
+                      </a:r>
+                    </a:p>
+                    <a:p>
+                      <a:r>
+                        <a:rPr lang="en-US" dirty="0" smtClean="0"/>
+                        <a:t>FAR: 0.46911</a:t>
+                      </a:r>
+                      <a:endParaRPr lang="en-US" dirty="0"/>
+                    </a:p>
+                  </a:txBody>
+                  <a:tcPr/>
+                </a:tc>
+                <a:tc>
+                  <a:txBody>
+                    <a:bodyPr/>
+                    <a:lstStyle/>
+                    <a:p>
+                      <a:r>
+                        <a:rPr lang="en-US" dirty="0" smtClean="0"/>
+                        <a:t>FRR: 0.11345</a:t>
+                      </a:r>
+                    </a:p>
+                    <a:p>
+                      <a:r>
+                        <a:rPr lang="en-US" dirty="0" smtClean="0"/>
+                        <a:t>FAR: 0.63622</a:t>
                       </a:r>
                       <a:endParaRPr lang="en-US" dirty="0"/>
                     </a:p>
@@ -4742,87 +4742,86 @@
                     <a:p>
                       <a:r>
                         <a:rPr lang="en-US" dirty="0" smtClean="0"/>
-                        <a:t>FAR: 0.86346</a:t>
-                      </a:r>
-                      <a:endParaRPr lang="en-US" dirty="0"/>
-                    </a:p>
-                  </a:txBody>
-                  <a:tcPr/>
-                </a:tc>
-                <a:tc>
-                  <a:txBody>
-                    <a:bodyPr/>
-                    <a:lstStyle/>
-                    <a:p>
-                      <a:r>
-                        <a:rPr lang="en-US" dirty="0" smtClean="0"/>
-                        <a:t>FRR: 0.14458</a:t>
-                      </a:r>
-                    </a:p>
-                    <a:p>
-                      <a:r>
-                        <a:rPr lang="en-US" dirty="0" smtClean="0"/>
-                        <a:t>FAR: 0.68196</a:t>
-                      </a:r>
-                      <a:endParaRPr lang="en-US" dirty="0"/>
-                    </a:p>
-                  </a:txBody>
-                  <a:tcPr/>
-                </a:tc>
-                <a:tc>
-                  <a:txBody>
-                    <a:bodyPr/>
-                    <a:lstStyle/>
-                    <a:p>
-                      <a:r>
-                        <a:rPr lang="en-US" dirty="0" smtClean="0"/>
-                        <a:t>FRR: 0.12987</a:t>
-                      </a:r>
-                    </a:p>
-                    <a:p>
-                      <a:r>
-                        <a:rPr lang="en-US" dirty="0" smtClean="0"/>
-                        <a:t>FAR: 0.48907</a:t>
-                      </a:r>
-                      <a:endParaRPr lang="en-US" dirty="0"/>
-                    </a:p>
-                  </a:txBody>
-                  <a:tcPr/>
-                </a:tc>
-                <a:tc>
-                  <a:txBody>
-                    <a:bodyPr/>
-                    <a:lstStyle/>
-                    <a:p>
-                      <a:r>
-                        <a:rPr lang="en-US" dirty="0" smtClean="0"/>
-                        <a:t>FRR: 0.09302</a:t>
-                      </a:r>
-                    </a:p>
-                    <a:p>
-                      <a:r>
-                        <a:rPr lang="en-US" dirty="0" smtClean="0"/>
-                        <a:t>FAR: 0.52939</a:t>
-                      </a:r>
-                      <a:endParaRPr lang="en-US" dirty="0"/>
-                    </a:p>
-                  </a:txBody>
-                  <a:tcPr/>
-                </a:tc>
-                <a:tc>
-                  <a:txBody>
-                    <a:bodyPr/>
-                    <a:lstStyle/>
-                    <a:p>
-                      <a:r>
-                        <a:rPr lang="en-US" dirty="0" smtClean="0"/>
-                        <a:t>FRR: 0.11715</a:t>
-                      </a:r>
-                    </a:p>
-                    <a:p>
-                      <a:r>
-                        <a:rPr lang="en-US" dirty="0" smtClean="0"/>
-                        <a:t>FAR: 0.76713</a:t>
+                        <a:t>FAR: 0.87015</a:t>
+                      </a:r>
+                      <a:endParaRPr lang="en-US" dirty="0"/>
+                    </a:p>
+                  </a:txBody>
+                  <a:tcPr/>
+                </a:tc>
+                <a:tc>
+                  <a:txBody>
+                    <a:bodyPr/>
+                    <a:lstStyle/>
+                    <a:p>
+                      <a:r>
+                        <a:rPr lang="en-US" dirty="0" smtClean="0"/>
+                        <a:t>FRR: 0.09639</a:t>
+                      </a:r>
+                    </a:p>
+                    <a:p>
+                      <a:r>
+                        <a:rPr lang="en-US" dirty="0" smtClean="0"/>
+                        <a:t>FAR: 0.75791</a:t>
+                      </a:r>
+                      <a:endParaRPr lang="en-US" dirty="0"/>
+                    </a:p>
+                  </a:txBody>
+                  <a:tcPr/>
+                </a:tc>
+                <a:tc>
+                  <a:txBody>
+                    <a:bodyPr/>
+                    <a:lstStyle/>
+                    <a:p>
+                      <a:r>
+                        <a:rPr lang="en-US" dirty="0" smtClean="0"/>
+                        <a:t>FRR: 0.06494</a:t>
+                      </a:r>
+                    </a:p>
+                    <a:p>
+                      <a:r>
+                        <a:rPr lang="en-US" dirty="0" smtClean="0"/>
+                        <a:t>FAR: 0.39825</a:t>
+                      </a:r>
+                      <a:endParaRPr lang="en-US" dirty="0"/>
+                    </a:p>
+                  </a:txBody>
+                  <a:tcPr/>
+                </a:tc>
+                <a:tc>
+                  <a:txBody>
+                    <a:bodyPr/>
+                    <a:lstStyle/>
+                    <a:p>
+                      <a:r>
+                        <a:rPr lang="en-US" dirty="0" smtClean="0"/>
+                        <a:t>FRR: 0.15116</a:t>
+                      </a:r>
+                    </a:p>
+                    <a:p>
+                      <a:r>
+                        <a:rPr lang="en-US" dirty="0" smtClean="0"/>
+                        <a:t>FAR: 0.46394</a:t>
+                      </a:r>
+                    </a:p>
+                  </a:txBody>
+                  <a:tcPr/>
+                </a:tc>
+                <a:tc>
+                  <a:txBody>
+                    <a:bodyPr/>
+                    <a:lstStyle/>
+                    <a:p>
+                      <a:r>
+                        <a:rPr lang="en-US" dirty="0" smtClean="0"/>
+                        <a:t>FRR: 0.13808</a:t>
+                      </a:r>
+                    </a:p>
+                    <a:p>
+                      <a:r>
+                        <a:rPr lang="en-US" dirty="0" smtClean="0"/>
+                        <a:t>FAR: 0.78248</a:t>
                       </a:r>
                       <a:endParaRPr lang="en-US" dirty="0"/>
                     </a:p>
@@ -4861,93 +4860,93 @@
                     <a:p>
                       <a:r>
                         <a:rPr lang="en-US" dirty="0" smtClean="0"/>
-                        <a:t>FRR: 0.10390</a:t>
-                      </a:r>
-                    </a:p>
-                    <a:p>
-                      <a:r>
-                        <a:rPr lang="en-US" dirty="0" smtClean="0"/>
-                        <a:t>FAR: 0.66310</a:t>
-                      </a:r>
-                      <a:endParaRPr lang="en-US" dirty="0"/>
-                    </a:p>
-                  </a:txBody>
-                  <a:tcPr/>
-                </a:tc>
-                <a:tc>
-                  <a:txBody>
-                    <a:bodyPr/>
-                    <a:lstStyle/>
-                    <a:p>
-                      <a:r>
-                        <a:rPr lang="en-US" dirty="0" smtClean="0"/>
-                        <a:t>FRR: 0.14493</a:t>
-                      </a:r>
-                    </a:p>
-                    <a:p>
-                      <a:r>
-                        <a:rPr lang="en-US" dirty="0" smtClean="0"/>
-                        <a:t>FAR: 0.28026</a:t>
-                      </a:r>
-                      <a:endParaRPr lang="en-US" dirty="0"/>
-                    </a:p>
-                  </a:txBody>
-                  <a:tcPr/>
-                </a:tc>
-                <a:tc>
-                  <a:txBody>
-                    <a:bodyPr/>
-                    <a:lstStyle/>
-                    <a:p>
-                      <a:r>
-                        <a:rPr lang="en-US" dirty="0" smtClean="0"/>
-                        <a:t>FRR: 0.11765</a:t>
-                      </a:r>
-                    </a:p>
-                    <a:p>
-                      <a:r>
-                        <a:rPr lang="en-US" dirty="0" smtClean="0"/>
-                        <a:t>FAR: 0.66369</a:t>
-                      </a:r>
-                      <a:endParaRPr lang="en-US" dirty="0"/>
-                    </a:p>
-                  </a:txBody>
-                  <a:tcPr/>
-                </a:tc>
-                <a:tc>
-                  <a:txBody>
-                    <a:bodyPr/>
-                    <a:lstStyle/>
-                    <a:p>
-                      <a:r>
-                        <a:rPr lang="en-US" dirty="0" smtClean="0"/>
-                        <a:t>FRR: 0.12360</a:t>
-                      </a:r>
-                    </a:p>
-                    <a:p>
-                      <a:r>
-                        <a:rPr lang="en-US" dirty="0" smtClean="0"/>
-                        <a:t>FAR: 0.63722</a:t>
-                      </a:r>
-                      <a:endParaRPr lang="en-US" dirty="0"/>
-                    </a:p>
-                  </a:txBody>
-                  <a:tcPr/>
-                </a:tc>
-                <a:tc>
-                  <a:txBody>
-                    <a:bodyPr/>
-                    <a:lstStyle/>
-                    <a:p>
-                      <a:r>
-                        <a:rPr lang="en-US" dirty="0" smtClean="0"/>
-                        <a:t>FRR: 0.13559</a:t>
-                      </a:r>
-                    </a:p>
-                    <a:p>
-                      <a:r>
-                        <a:rPr lang="en-US" dirty="0" smtClean="0"/>
-                        <a:t>FAR: 0.56022</a:t>
+                        <a:t>FRR: 0.09091</a:t>
+                      </a:r>
+                    </a:p>
+                    <a:p>
+                      <a:r>
+                        <a:rPr lang="en-US" dirty="0" smtClean="0"/>
+                        <a:t>FAR: 0.67872</a:t>
+                      </a:r>
+                      <a:endParaRPr lang="en-US" dirty="0"/>
+                    </a:p>
+                  </a:txBody>
+                  <a:tcPr/>
+                </a:tc>
+                <a:tc>
+                  <a:txBody>
+                    <a:bodyPr/>
+                    <a:lstStyle/>
+                    <a:p>
+                      <a:r>
+                        <a:rPr lang="en-US" dirty="0" smtClean="0"/>
+                        <a:t>FRR: 0.11594</a:t>
+                      </a:r>
+                    </a:p>
+                    <a:p>
+                      <a:r>
+                        <a:rPr lang="en-US" dirty="0" smtClean="0"/>
+                        <a:t>FAR: 0.24262</a:t>
+                      </a:r>
+                      <a:endParaRPr lang="en-US" dirty="0"/>
+                    </a:p>
+                  </a:txBody>
+                  <a:tcPr/>
+                </a:tc>
+                <a:tc>
+                  <a:txBody>
+                    <a:bodyPr/>
+                    <a:lstStyle/>
+                    <a:p>
+                      <a:r>
+                        <a:rPr lang="en-US" dirty="0" smtClean="0"/>
+                        <a:t>FRR: 0.08235</a:t>
+                      </a:r>
+                    </a:p>
+                    <a:p>
+                      <a:r>
+                        <a:rPr lang="en-US" dirty="0" smtClean="0"/>
+                        <a:t>FAR: 0.60030</a:t>
+                      </a:r>
+                      <a:endParaRPr lang="en-US" dirty="0"/>
+                    </a:p>
+                  </a:txBody>
+                  <a:tcPr/>
+                </a:tc>
+                <a:tc>
+                  <a:txBody>
+                    <a:bodyPr/>
+                    <a:lstStyle/>
+                    <a:p>
+                      <a:r>
+                        <a:rPr lang="en-US" dirty="0" smtClean="0"/>
+                        <a:t>FRR: 0.11236</a:t>
+                      </a:r>
+                    </a:p>
+                    <a:p>
+                      <a:r>
+                        <a:rPr lang="en-US" dirty="0" smtClean="0"/>
+                        <a:t>FAR: 0.31973</a:t>
+                      </a:r>
+                      <a:endParaRPr lang="en-US" dirty="0"/>
+                    </a:p>
+                  </a:txBody>
+                  <a:tcPr/>
+                </a:tc>
+                <a:tc>
+                  <a:txBody>
+                    <a:bodyPr/>
+                    <a:lstStyle/>
+                    <a:p>
+                      <a:r>
+                        <a:rPr lang="en-US" dirty="0" smtClean="0"/>
+                        <a:t>FRR: 0.12288</a:t>
+                      </a:r>
+                    </a:p>
+                    <a:p>
+                      <a:r>
+                        <a:rPr lang="en-US" dirty="0" smtClean="0"/>
+                        <a:t>FAR: 0.63950</a:t>
                       </a:r>
                       <a:endParaRPr lang="en-US" dirty="0"/>
                     </a:p>
@@ -4986,93 +4985,93 @@
                     <a:p>
                       <a:r>
                         <a:rPr lang="en-US" dirty="0" smtClean="0"/>
-                        <a:t>FRR: 0.05430</a:t>
-                      </a:r>
-                    </a:p>
-                    <a:p>
-                      <a:r>
-                        <a:rPr lang="en-US" dirty="0" smtClean="0"/>
-                        <a:t>FAR: 0.78341</a:t>
-                      </a:r>
-                      <a:endParaRPr lang="en-US" dirty="0"/>
-                    </a:p>
-                  </a:txBody>
-                  <a:tcPr/>
-                </a:tc>
-                <a:tc>
-                  <a:txBody>
-                    <a:bodyPr/>
-                    <a:lstStyle/>
-                    <a:p>
-                      <a:r>
-                        <a:rPr lang="en-US" dirty="0" smtClean="0"/>
-                        <a:t>FRR: 0.14925</a:t>
-                      </a:r>
-                    </a:p>
-                    <a:p>
-                      <a:r>
-                        <a:rPr lang="en-US" dirty="0" smtClean="0"/>
-                        <a:t>FAR: 0.20991</a:t>
-                      </a:r>
-                      <a:endParaRPr lang="en-US" dirty="0"/>
-                    </a:p>
-                  </a:txBody>
-                  <a:tcPr/>
-                </a:tc>
-                <a:tc>
-                  <a:txBody>
-                    <a:bodyPr/>
-                    <a:lstStyle/>
-                    <a:p>
-                      <a:r>
-                        <a:rPr lang="en-US" dirty="0" smtClean="0"/>
-                        <a:t>FRR: 0.12121</a:t>
-                      </a:r>
-                    </a:p>
-                    <a:p>
-                      <a:r>
-                        <a:rPr lang="en-US" dirty="0" smtClean="0"/>
-                        <a:t>FAR: 0.10128</a:t>
-                      </a:r>
-                      <a:endParaRPr lang="en-US" dirty="0"/>
-                    </a:p>
-                  </a:txBody>
-                  <a:tcPr/>
-                </a:tc>
-                <a:tc>
-                  <a:txBody>
-                    <a:bodyPr/>
-                    <a:lstStyle/>
-                    <a:p>
-                      <a:r>
-                        <a:rPr lang="en-US" dirty="0" smtClean="0"/>
-                        <a:t>FRR: 0.12500</a:t>
-                      </a:r>
-                    </a:p>
-                    <a:p>
-                      <a:r>
-                        <a:rPr lang="en-US" dirty="0" smtClean="0"/>
-                        <a:t>FAR: 0.29102</a:t>
-                      </a:r>
-                      <a:endParaRPr lang="en-US" dirty="0"/>
-                    </a:p>
-                  </a:txBody>
-                  <a:tcPr/>
-                </a:tc>
-                <a:tc>
-                  <a:txBody>
-                    <a:bodyPr/>
-                    <a:lstStyle/>
-                    <a:p>
-                      <a:r>
-                        <a:rPr lang="en-US" dirty="0" smtClean="0"/>
-                        <a:t>FRR: 0.12108</a:t>
-                      </a:r>
-                    </a:p>
-                    <a:p>
-                      <a:r>
-                        <a:rPr lang="en-US" dirty="0" smtClean="0"/>
-                        <a:t>FAR: 0.50951</a:t>
+                        <a:t>FRR: 0.09050</a:t>
+                      </a:r>
+                    </a:p>
+                    <a:p>
+                      <a:r>
+                        <a:rPr lang="en-US" dirty="0" smtClean="0"/>
+                        <a:t>FAR: 0.74234</a:t>
+                      </a:r>
+                      <a:endParaRPr lang="en-US" dirty="0"/>
+                    </a:p>
+                  </a:txBody>
+                  <a:tcPr/>
+                </a:tc>
+                <a:tc>
+                  <a:txBody>
+                    <a:bodyPr/>
+                    <a:lstStyle/>
+                    <a:p>
+                      <a:r>
+                        <a:rPr lang="en-US" dirty="0" smtClean="0"/>
+                        <a:t>FRR: 0.20896</a:t>
+                      </a:r>
+                    </a:p>
+                    <a:p>
+                      <a:r>
+                        <a:rPr lang="en-US" dirty="0" smtClean="0"/>
+                        <a:t>FAR: 0.38998</a:t>
+                      </a:r>
+                      <a:endParaRPr lang="en-US" dirty="0"/>
+                    </a:p>
+                  </a:txBody>
+                  <a:tcPr/>
+                </a:tc>
+                <a:tc>
+                  <a:txBody>
+                    <a:bodyPr/>
+                    <a:lstStyle/>
+                    <a:p>
+                      <a:r>
+                        <a:rPr lang="en-US" dirty="0" smtClean="0"/>
+                        <a:t>FRR: 0.10606</a:t>
+                      </a:r>
+                    </a:p>
+                    <a:p>
+                      <a:r>
+                        <a:rPr lang="en-US" dirty="0" smtClean="0"/>
+                        <a:t>FAR: 0.15902</a:t>
+                      </a:r>
+                      <a:endParaRPr lang="en-US" dirty="0"/>
+                    </a:p>
+                  </a:txBody>
+                  <a:tcPr/>
+                </a:tc>
+                <a:tc>
+                  <a:txBody>
+                    <a:bodyPr/>
+                    <a:lstStyle/>
+                    <a:p>
+                      <a:r>
+                        <a:rPr lang="en-US" dirty="0" smtClean="0"/>
+                        <a:t>FRR: 0.11111</a:t>
+                      </a:r>
+                    </a:p>
+                    <a:p>
+                      <a:r>
+                        <a:rPr lang="en-US" dirty="0" smtClean="0"/>
+                        <a:t>FAR: 0.10060</a:t>
+                      </a:r>
+                      <a:endParaRPr lang="en-US" dirty="0"/>
+                    </a:p>
+                  </a:txBody>
+                  <a:tcPr/>
+                </a:tc>
+                <a:tc>
+                  <a:txBody>
+                    <a:bodyPr/>
+                    <a:lstStyle/>
+                    <a:p>
+                      <a:r>
+                        <a:rPr lang="en-US" dirty="0" smtClean="0"/>
+                        <a:t>FRR: 0.15695</a:t>
+                      </a:r>
+                    </a:p>
+                    <a:p>
+                      <a:r>
+                        <a:rPr lang="en-US" dirty="0" smtClean="0"/>
+                        <a:t>FAR: 0.45852</a:t>
                       </a:r>
                       <a:endParaRPr lang="en-US" dirty="0"/>
                     </a:p>
@@ -5125,93 +5124,93 @@
                     <a:p>
                       <a:r>
                         <a:rPr lang="en-US" dirty="0" smtClean="0"/>
-                        <a:t>FRR: 0.12450</a:t>
-                      </a:r>
-                    </a:p>
-                    <a:p>
-                      <a:r>
-                        <a:rPr lang="en-US" dirty="0" smtClean="0"/>
-                        <a:t>FAR: 0.87162</a:t>
-                      </a:r>
-                      <a:endParaRPr lang="en-US" dirty="0"/>
-                    </a:p>
-                  </a:txBody>
-                  <a:tcPr/>
-                </a:tc>
-                <a:tc>
-                  <a:txBody>
-                    <a:bodyPr/>
-                    <a:lstStyle/>
-                    <a:p>
-                      <a:r>
-                        <a:rPr lang="en-US" dirty="0" smtClean="0"/>
-                        <a:t>FRR: 0.20213</a:t>
-                      </a:r>
-                    </a:p>
-                    <a:p>
-                      <a:r>
-                        <a:rPr lang="en-US" dirty="0" smtClean="0"/>
-                        <a:t>FAR: 0.91413</a:t>
-                      </a:r>
-                      <a:endParaRPr lang="en-US" dirty="0"/>
-                    </a:p>
-                  </a:txBody>
-                  <a:tcPr/>
-                </a:tc>
-                <a:tc>
-                  <a:txBody>
-                    <a:bodyPr/>
-                    <a:lstStyle/>
-                    <a:p>
-                      <a:r>
-                        <a:rPr lang="en-US" dirty="0" smtClean="0"/>
-                        <a:t>FRR: 0.09901</a:t>
-                      </a:r>
-                    </a:p>
-                    <a:p>
-                      <a:r>
-                        <a:rPr lang="en-US" dirty="0" smtClean="0"/>
-                        <a:t>FAR: 0.81279</a:t>
-                      </a:r>
-                      <a:endParaRPr lang="en-US" dirty="0"/>
-                    </a:p>
-                  </a:txBody>
-                  <a:tcPr/>
-                </a:tc>
-                <a:tc>
-                  <a:txBody>
-                    <a:bodyPr/>
-                    <a:lstStyle/>
-                    <a:p>
-                      <a:r>
-                        <a:rPr lang="en-US" dirty="0" smtClean="0"/>
-                        <a:t>FRR: 0.07619</a:t>
-                      </a:r>
-                    </a:p>
-                    <a:p>
-                      <a:r>
-                        <a:rPr lang="en-US" dirty="0" smtClean="0"/>
-                        <a:t>FAR: 0.88621</a:t>
-                      </a:r>
-                      <a:endParaRPr lang="en-US" dirty="0"/>
-                    </a:p>
-                  </a:txBody>
-                  <a:tcPr/>
-                </a:tc>
-                <a:tc>
-                  <a:txBody>
-                    <a:bodyPr/>
-                    <a:lstStyle/>
-                    <a:p>
-                      <a:r>
-                        <a:rPr lang="en-US" dirty="0" smtClean="0"/>
-                        <a:t>FRR: 0.08907</a:t>
-                      </a:r>
-                    </a:p>
-                    <a:p>
-                      <a:r>
-                        <a:rPr lang="en-US" dirty="0" smtClean="0"/>
-                        <a:t>FAR: 0.74163</a:t>
+                        <a:t>FRR: 0.14056</a:t>
+                      </a:r>
+                    </a:p>
+                    <a:p>
+                      <a:r>
+                        <a:rPr lang="en-US" dirty="0" smtClean="0"/>
+                        <a:t>FAR: 0.66431</a:t>
+                      </a:r>
+                      <a:endParaRPr lang="en-US" dirty="0"/>
+                    </a:p>
+                  </a:txBody>
+                  <a:tcPr/>
+                </a:tc>
+                <a:tc>
+                  <a:txBody>
+                    <a:bodyPr/>
+                    <a:lstStyle/>
+                    <a:p>
+                      <a:r>
+                        <a:rPr lang="en-US" dirty="0" smtClean="0"/>
+                        <a:t>FRR: 0.06383</a:t>
+                      </a:r>
+                    </a:p>
+                    <a:p>
+                      <a:r>
+                        <a:rPr lang="en-US" dirty="0" smtClean="0"/>
+                        <a:t>FAR: 0.80707</a:t>
+                      </a:r>
+                      <a:endParaRPr lang="en-US" dirty="0"/>
+                    </a:p>
+                  </a:txBody>
+                  <a:tcPr/>
+                </a:tc>
+                <a:tc>
+                  <a:txBody>
+                    <a:bodyPr/>
+                    <a:lstStyle/>
+                    <a:p>
+                      <a:r>
+                        <a:rPr lang="en-US" dirty="0" smtClean="0"/>
+                        <a:t>FRR: 0.13861</a:t>
+                      </a:r>
+                    </a:p>
+                    <a:p>
+                      <a:r>
+                        <a:rPr lang="en-US" dirty="0" smtClean="0"/>
+                        <a:t>FAR: 0.67457</a:t>
+                      </a:r>
+                      <a:endParaRPr lang="en-US" dirty="0"/>
+                    </a:p>
+                  </a:txBody>
+                  <a:tcPr/>
+                </a:tc>
+                <a:tc>
+                  <a:txBody>
+                    <a:bodyPr/>
+                    <a:lstStyle/>
+                    <a:p>
+                      <a:r>
+                        <a:rPr lang="en-US" dirty="0" smtClean="0"/>
+                        <a:t>FRR: 0.05714</a:t>
+                      </a:r>
+                    </a:p>
+                    <a:p>
+                      <a:r>
+                        <a:rPr lang="en-US" dirty="0" smtClean="0"/>
+                        <a:t>FAR: 0.77241</a:t>
+                      </a:r>
+                      <a:endParaRPr lang="en-US" dirty="0"/>
+                    </a:p>
+                  </a:txBody>
+                  <a:tcPr/>
+                </a:tc>
+                <a:tc>
+                  <a:txBody>
+                    <a:bodyPr/>
+                    <a:lstStyle/>
+                    <a:p>
+                      <a:r>
+                        <a:rPr lang="en-US" dirty="0" smtClean="0"/>
+                        <a:t>FRR: 0.10526</a:t>
+                      </a:r>
+                    </a:p>
+                    <a:p>
+                      <a:r>
+                        <a:rPr lang="en-US" dirty="0" smtClean="0"/>
+                        <a:t>FAR: 0.71330</a:t>
                       </a:r>
                       <a:endParaRPr lang="en-US" dirty="0"/>
                     </a:p>
@@ -5256,93 +5255,93 @@
                     <a:p>
                       <a:r>
                         <a:rPr lang="en-US" dirty="0" smtClean="0"/>
-                        <a:t>FRR: 0.09998</a:t>
-                      </a:r>
-                    </a:p>
-                    <a:p>
-                      <a:r>
-                        <a:rPr lang="en-US" dirty="0" smtClean="0"/>
-                        <a:t>FAR: 0.78674</a:t>
-                      </a:r>
-                      <a:endParaRPr lang="en-US" dirty="0"/>
-                    </a:p>
-                  </a:txBody>
-                  <a:tcPr/>
-                </a:tc>
-                <a:tc>
-                  <a:txBody>
-                    <a:bodyPr/>
-                    <a:lstStyle/>
-                    <a:p>
-                      <a:r>
-                        <a:rPr lang="en-US" dirty="0" smtClean="0"/>
-                        <a:t>FRR: 0.13646</a:t>
-                      </a:r>
-                    </a:p>
-                    <a:p>
-                      <a:r>
-                        <a:rPr lang="en-US" dirty="0" smtClean="0"/>
-                        <a:t>FAR: 0.50301</a:t>
-                      </a:r>
-                      <a:endParaRPr lang="en-US" dirty="0"/>
-                    </a:p>
-                  </a:txBody>
-                  <a:tcPr/>
-                </a:tc>
-                <a:tc>
-                  <a:txBody>
-                    <a:bodyPr/>
-                    <a:lstStyle/>
-                    <a:p>
-                      <a:r>
-                        <a:rPr lang="en-US" dirty="0" smtClean="0"/>
-                        <a:t>FRR: 0.13493</a:t>
-                      </a:r>
-                    </a:p>
-                    <a:p>
-                      <a:r>
-                        <a:rPr lang="en-US" dirty="0" smtClean="0"/>
-                        <a:t>FAR: 0.57047</a:t>
-                      </a:r>
-                      <a:endParaRPr lang="en-US" dirty="0"/>
-                    </a:p>
-                  </a:txBody>
-                  <a:tcPr/>
-                </a:tc>
-                <a:tc>
-                  <a:txBody>
-                    <a:bodyPr/>
-                    <a:lstStyle/>
-                    <a:p>
-                      <a:r>
-                        <a:rPr lang="en-US" dirty="0" smtClean="0"/>
-                        <a:t>FRR: 0.11198</a:t>
-                      </a:r>
-                    </a:p>
-                    <a:p>
-                      <a:r>
-                        <a:rPr lang="en-US" dirty="0" smtClean="0"/>
-                        <a:t>FAR: 0.62125</a:t>
-                      </a:r>
-                      <a:endParaRPr lang="en-US" dirty="0"/>
-                    </a:p>
-                  </a:txBody>
-                  <a:tcPr/>
-                </a:tc>
-                <a:tc>
-                  <a:txBody>
-                    <a:bodyPr/>
-                    <a:lstStyle/>
-                    <a:p>
-                      <a:r>
-                        <a:rPr lang="en-US" dirty="0" smtClean="0"/>
-                        <a:t>FRR: 0.11502</a:t>
+                        <a:t>FRR: 0.11511</a:t>
+                      </a:r>
+                    </a:p>
+                    <a:p>
+                      <a:r>
+                        <a:rPr lang="en-US" dirty="0" smtClean="0"/>
+                        <a:t>FAR: 0.75079</a:t>
+                      </a:r>
+                      <a:endParaRPr lang="en-US" dirty="0"/>
+                    </a:p>
+                  </a:txBody>
+                  <a:tcPr/>
+                </a:tc>
+                <a:tc>
+                  <a:txBody>
+                    <a:bodyPr/>
+                    <a:lstStyle/>
+                    <a:p>
+                      <a:r>
+                        <a:rPr lang="en-US" dirty="0" smtClean="0"/>
+                        <a:t>FRR: 0.11317</a:t>
+                      </a:r>
+                    </a:p>
+                    <a:p>
+                      <a:r>
+                        <a:rPr lang="en-US" dirty="0" smtClean="0"/>
+                        <a:t>FAR: 0.51820</a:t>
+                      </a:r>
+                      <a:endParaRPr lang="en-US" dirty="0"/>
+                    </a:p>
+                  </a:txBody>
+                  <a:tcPr/>
+                </a:tc>
+                <a:tc>
+                  <a:txBody>
+                    <a:bodyPr/>
+                    <a:lstStyle/>
+                    <a:p>
+                      <a:r>
+                        <a:rPr lang="en-US" dirty="0" smtClean="0"/>
+                        <a:t>FRR: 0.10226</a:t>
+                      </a:r>
+                    </a:p>
+                    <a:p>
+                      <a:r>
+                        <a:rPr lang="en-US" dirty="0" smtClean="0"/>
+                        <a:t>FAR: 0.55063</a:t>
+                      </a:r>
+                      <a:endParaRPr lang="en-US" dirty="0"/>
+                    </a:p>
+                  </a:txBody>
+                  <a:tcPr/>
+                </a:tc>
+                <a:tc>
+                  <a:txBody>
+                    <a:bodyPr/>
+                    <a:lstStyle/>
+                    <a:p>
+                      <a:r>
+                        <a:rPr lang="en-US" dirty="0" smtClean="0"/>
+                        <a:t>FRR: 0.13004</a:t>
+                      </a:r>
+                    </a:p>
+                    <a:p>
+                      <a:r>
+                        <a:rPr lang="en-US" dirty="0" smtClean="0"/>
+                        <a:t>FAR: 0.40028</a:t>
+                      </a:r>
+                      <a:endParaRPr lang="en-US" dirty="0" smtClean="0"/>
+                    </a:p>
+                  </a:txBody>
+                  <a:tcPr/>
+                </a:tc>
+                <a:tc>
+                  <a:txBody>
+                    <a:bodyPr/>
+                    <a:lstStyle/>
+                    <a:p>
+                      <a:r>
+                        <a:rPr lang="en-US" dirty="0" smtClean="0"/>
+                        <a:t>FRR: 0.12857</a:t>
                       </a:r>
                     </a:p>
                     <a:p>
                       <a:r>
                         <a:rPr lang="en-US" smtClean="0"/>
-                        <a:t>FAR: 0.62229</a:t>
+                        <a:t>FAR: 0.65756</a:t>
                       </a:r>
                       <a:endParaRPr lang="en-US" dirty="0"/>
                     </a:p>
